--- a/python/presentations/read_write_data/09_cfchecker.pptx
+++ b/python/presentations/read_write_data/09_cfchecker.pptx
@@ -5,14 +5,15 @@
     <p:sldMasterId id="2147483660" r:id="rId1"/>
   </p:sldMasterIdLst>
   <p:notesMasterIdLst>
-    <p:notesMasterId r:id="rId7"/>
+    <p:notesMasterId r:id="rId8"/>
   </p:notesMasterIdLst>
   <p:sldIdLst>
     <p:sldId id="304" r:id="rId2"/>
-    <p:sldId id="300" r:id="rId3"/>
-    <p:sldId id="301" r:id="rId4"/>
-    <p:sldId id="303" r:id="rId5"/>
-    <p:sldId id="299" r:id="rId6"/>
+    <p:sldId id="305" r:id="rId3"/>
+    <p:sldId id="300" r:id="rId4"/>
+    <p:sldId id="301" r:id="rId5"/>
+    <p:sldId id="303" r:id="rId6"/>
+    <p:sldId id="299" r:id="rId7"/>
   </p:sldIdLst>
   <p:sldSz cx="9144000" cy="6858000" type="screen4x3"/>
   <p:notesSz cx="6858000" cy="9144000"/>
@@ -260,7 +261,7 @@
               <a:pPr>
                 <a:defRPr/>
               </a:pPr>
-              <a:t>09/10/2018</a:t>
+              <a:t>16/10/2018</a:t>
             </a:fld>
             <a:endParaRPr lang="en-GB" dirty="0"/>
           </a:p>
@@ -1504,7 +1505,7 @@
               <a:pPr>
                 <a:defRPr/>
               </a:pPr>
-              <a:t>09/10/2018</a:t>
+              <a:t>16/10/2018</a:t>
             </a:fld>
             <a:endParaRPr lang="en-GB" dirty="0"/>
           </a:p>
@@ -2757,6 +2758,366 @@
       </p:grpSpPr>
       <p:sp>
         <p:nvSpPr>
+          <p:cNvPr id="2" name="Title 1"/>
+          <p:cNvSpPr txBox="1">
+            <a:spLocks/>
+          </p:cNvSpPr>
+          <p:nvPr/>
+        </p:nvSpPr>
+        <p:spPr bwMode="auto">
+          <a:xfrm>
+            <a:off x="436563" y="198438"/>
+            <a:ext cx="8229600" cy="1143000"/>
+          </a:xfrm>
+          <a:prstGeom prst="rect">
+            <a:avLst/>
+          </a:prstGeom>
+          <a:noFill/>
+          <a:ln>
+            <a:noFill/>
+          </a:ln>
+          <a:extLst>
+            <a:ext uri="{909E8E84-426E-40DD-AFC4-6F175D3DCCD1}">
+              <a14:hiddenFill xmlns:a14="http://schemas.microsoft.com/office/drawing/2010/main">
+                <a:solidFill>
+                  <a:srgbClr val="FFFFFF"/>
+                </a:solidFill>
+              </a14:hiddenFill>
+            </a:ext>
+            <a:ext uri="{91240B29-F687-4F45-9708-019B960494DF}">
+              <a14:hiddenLine xmlns:a14="http://schemas.microsoft.com/office/drawing/2010/main" w="9525">
+                <a:solidFill>
+                  <a:srgbClr val="000000"/>
+                </a:solidFill>
+                <a:miter lim="800000"/>
+                <a:headEnd/>
+                <a:tailEnd/>
+              </a14:hiddenLine>
+            </a:ext>
+          </a:extLst>
+        </p:spPr>
+        <p:txBody>
+          <a:bodyPr vert="horz" wrap="square" lIns="91440" tIns="45720" rIns="91440" bIns="45720" numCol="1" anchor="ctr" anchorCtr="0" compatLnSpc="1">
+            <a:prstTxWarp prst="textNoShape">
+              <a:avLst/>
+            </a:prstTxWarp>
+          </a:bodyPr>
+          <a:lstStyle>
+            <a:lvl1pPr algn="ctr" rtl="0" fontAlgn="base">
+              <a:lnSpc>
+                <a:spcPct val="90000"/>
+              </a:lnSpc>
+              <a:spcBef>
+                <a:spcPct val="0"/>
+              </a:spcBef>
+              <a:spcAft>
+                <a:spcPct val="0"/>
+              </a:spcAft>
+              <a:defRPr sz="3200" kern="1200">
+                <a:solidFill>
+                  <a:schemeClr val="tx1"/>
+                </a:solidFill>
+                <a:latin typeface="+mn-lt"/>
+                <a:ea typeface="+mj-ea"/>
+                <a:cs typeface="Calibri" panose="020F0502020204030204" pitchFamily="34" charset="0"/>
+              </a:defRPr>
+            </a:lvl1pPr>
+            <a:lvl2pPr algn="ctr" rtl="0" fontAlgn="base">
+              <a:lnSpc>
+                <a:spcPct val="90000"/>
+              </a:lnSpc>
+              <a:spcBef>
+                <a:spcPct val="0"/>
+              </a:spcBef>
+              <a:spcAft>
+                <a:spcPct val="0"/>
+              </a:spcAft>
+              <a:defRPr sz="3200">
+                <a:solidFill>
+                  <a:schemeClr val="tx1"/>
+                </a:solidFill>
+                <a:latin typeface="Calibri" panose="020F0502020204030204" pitchFamily="34" charset="0"/>
+                <a:cs typeface="Calibri" panose="020F0502020204030204" pitchFamily="34" charset="0"/>
+              </a:defRPr>
+            </a:lvl2pPr>
+            <a:lvl3pPr algn="ctr" rtl="0" fontAlgn="base">
+              <a:lnSpc>
+                <a:spcPct val="90000"/>
+              </a:lnSpc>
+              <a:spcBef>
+                <a:spcPct val="0"/>
+              </a:spcBef>
+              <a:spcAft>
+                <a:spcPct val="0"/>
+              </a:spcAft>
+              <a:defRPr sz="3200">
+                <a:solidFill>
+                  <a:schemeClr val="tx1"/>
+                </a:solidFill>
+                <a:latin typeface="Calibri" panose="020F0502020204030204" pitchFamily="34" charset="0"/>
+                <a:cs typeface="Calibri" panose="020F0502020204030204" pitchFamily="34" charset="0"/>
+              </a:defRPr>
+            </a:lvl3pPr>
+            <a:lvl4pPr algn="ctr" rtl="0" fontAlgn="base">
+              <a:lnSpc>
+                <a:spcPct val="90000"/>
+              </a:lnSpc>
+              <a:spcBef>
+                <a:spcPct val="0"/>
+              </a:spcBef>
+              <a:spcAft>
+                <a:spcPct val="0"/>
+              </a:spcAft>
+              <a:defRPr sz="3200">
+                <a:solidFill>
+                  <a:schemeClr val="tx1"/>
+                </a:solidFill>
+                <a:latin typeface="Calibri" panose="020F0502020204030204" pitchFamily="34" charset="0"/>
+                <a:cs typeface="Calibri" panose="020F0502020204030204" pitchFamily="34" charset="0"/>
+              </a:defRPr>
+            </a:lvl4pPr>
+            <a:lvl5pPr algn="ctr" rtl="0" fontAlgn="base">
+              <a:lnSpc>
+                <a:spcPct val="90000"/>
+              </a:lnSpc>
+              <a:spcBef>
+                <a:spcPct val="0"/>
+              </a:spcBef>
+              <a:spcAft>
+                <a:spcPct val="0"/>
+              </a:spcAft>
+              <a:defRPr sz="3200">
+                <a:solidFill>
+                  <a:schemeClr val="tx1"/>
+                </a:solidFill>
+                <a:latin typeface="Calibri" panose="020F0502020204030204" pitchFamily="34" charset="0"/>
+                <a:cs typeface="Calibri" panose="020F0502020204030204" pitchFamily="34" charset="0"/>
+              </a:defRPr>
+            </a:lvl5pPr>
+            <a:lvl6pPr marL="457200" algn="ctr" rtl="0" fontAlgn="base">
+              <a:lnSpc>
+                <a:spcPct val="90000"/>
+              </a:lnSpc>
+              <a:spcBef>
+                <a:spcPct val="0"/>
+              </a:spcBef>
+              <a:spcAft>
+                <a:spcPct val="0"/>
+              </a:spcAft>
+              <a:defRPr sz="3200">
+                <a:solidFill>
+                  <a:schemeClr val="tx1"/>
+                </a:solidFill>
+                <a:latin typeface="Calibri" panose="020F0502020204030204" pitchFamily="34" charset="0"/>
+                <a:cs typeface="Calibri" panose="020F0502020204030204" pitchFamily="34" charset="0"/>
+              </a:defRPr>
+            </a:lvl6pPr>
+            <a:lvl7pPr marL="914400" algn="ctr" rtl="0" fontAlgn="base">
+              <a:lnSpc>
+                <a:spcPct val="90000"/>
+              </a:lnSpc>
+              <a:spcBef>
+                <a:spcPct val="0"/>
+              </a:spcBef>
+              <a:spcAft>
+                <a:spcPct val="0"/>
+              </a:spcAft>
+              <a:defRPr sz="3200">
+                <a:solidFill>
+                  <a:schemeClr val="tx1"/>
+                </a:solidFill>
+                <a:latin typeface="Calibri" panose="020F0502020204030204" pitchFamily="34" charset="0"/>
+                <a:cs typeface="Calibri" panose="020F0502020204030204" pitchFamily="34" charset="0"/>
+              </a:defRPr>
+            </a:lvl7pPr>
+            <a:lvl8pPr marL="1371600" algn="ctr" rtl="0" fontAlgn="base">
+              <a:lnSpc>
+                <a:spcPct val="90000"/>
+              </a:lnSpc>
+              <a:spcBef>
+                <a:spcPct val="0"/>
+              </a:spcBef>
+              <a:spcAft>
+                <a:spcPct val="0"/>
+              </a:spcAft>
+              <a:defRPr sz="3200">
+                <a:solidFill>
+                  <a:schemeClr val="tx1"/>
+                </a:solidFill>
+                <a:latin typeface="Calibri" panose="020F0502020204030204" pitchFamily="34" charset="0"/>
+                <a:cs typeface="Calibri" panose="020F0502020204030204" pitchFamily="34" charset="0"/>
+              </a:defRPr>
+            </a:lvl8pPr>
+            <a:lvl9pPr marL="1828800" algn="ctr" rtl="0" fontAlgn="base">
+              <a:lnSpc>
+                <a:spcPct val="90000"/>
+              </a:lnSpc>
+              <a:spcBef>
+                <a:spcPct val="0"/>
+              </a:spcBef>
+              <a:spcAft>
+                <a:spcPct val="0"/>
+              </a:spcAft>
+              <a:defRPr sz="3200">
+                <a:solidFill>
+                  <a:schemeClr val="tx1"/>
+                </a:solidFill>
+                <a:latin typeface="Calibri" panose="020F0502020204030204" pitchFamily="34" charset="0"/>
+                <a:cs typeface="Calibri" panose="020F0502020204030204" pitchFamily="34" charset="0"/>
+              </a:defRPr>
+            </a:lvl9pPr>
+          </a:lstStyle>
+          <a:p>
+            <a:pPr eaLnBrk="1" hangingPunct="1"/>
+            <a:r>
+              <a:rPr lang="en-GB" altLang="en-US" b="1" dirty="0" smtClean="0"/>
+              <a:t>A foreword</a:t>
+            </a:r>
+            <a:endParaRPr lang="en-GB" altLang="en-US" b="1" dirty="0" smtClean="0"/>
+          </a:p>
+        </p:txBody>
+      </p:sp>
+      <p:sp>
+        <p:nvSpPr>
+          <p:cNvPr id="3" name="TextBox 2"/>
+          <p:cNvSpPr txBox="1"/>
+          <p:nvPr/>
+        </p:nvSpPr>
+        <p:spPr>
+          <a:xfrm>
+            <a:off x="436563" y="1341438"/>
+            <a:ext cx="8528050" cy="3539430"/>
+          </a:xfrm>
+          <a:prstGeom prst="rect">
+            <a:avLst/>
+          </a:prstGeom>
+          <a:noFill/>
+        </p:spPr>
+        <p:txBody>
+          <a:bodyPr>
+            <a:spAutoFit/>
+          </a:bodyPr>
+          <a:lstStyle/>
+          <a:p>
+            <a:pPr eaLnBrk="1" hangingPunct="1">
+              <a:defRPr/>
+            </a:pPr>
+            <a:r>
+              <a:rPr lang="en-GB" sz="2800" spc="-5" dirty="0" smtClean="0">
+                <a:latin typeface="Calibri" panose="020F0502020204030204" pitchFamily="34" charset="0"/>
+                <a:cs typeface="Calibri" panose="020F0502020204030204" pitchFamily="34" charset="0"/>
+              </a:rPr>
+              <a:t>At the moment </a:t>
+            </a:r>
+            <a:r>
+              <a:rPr lang="en-GB" sz="2800" spc="-5" dirty="0" err="1" smtClean="0">
+                <a:latin typeface="Calibri" panose="020F0502020204030204" pitchFamily="34" charset="0"/>
+                <a:cs typeface="Calibri" panose="020F0502020204030204" pitchFamily="34" charset="0"/>
+              </a:rPr>
+              <a:t>cf</a:t>
+            </a:r>
+            <a:r>
+              <a:rPr lang="en-GB" sz="2800" spc="-5" dirty="0" smtClean="0">
+                <a:latin typeface="Calibri" panose="020F0502020204030204" pitchFamily="34" charset="0"/>
+                <a:cs typeface="Calibri" panose="020F0502020204030204" pitchFamily="34" charset="0"/>
+              </a:rPr>
+              <a:t>-checker only works with Python 2 and is hopefully getting Python 3 support soon.</a:t>
+            </a:r>
+          </a:p>
+          <a:p>
+            <a:pPr eaLnBrk="1" hangingPunct="1">
+              <a:defRPr/>
+            </a:pPr>
+            <a:r>
+              <a:rPr lang="en-GB" sz="2800" spc="-5" dirty="0">
+                <a:latin typeface="Calibri" panose="020F0502020204030204" pitchFamily="34" charset="0"/>
+                <a:cs typeface="Calibri" panose="020F0502020204030204" pitchFamily="34" charset="0"/>
+              </a:rPr>
+              <a:t>See: </a:t>
+            </a:r>
+            <a:r>
+              <a:rPr lang="en-GB" sz="2800" spc="-5" dirty="0">
+                <a:latin typeface="Calibri" panose="020F0502020204030204" pitchFamily="34" charset="0"/>
+                <a:cs typeface="Calibri" panose="020F0502020204030204" pitchFamily="34" charset="0"/>
+                <a:hlinkClick r:id="rId2"/>
+              </a:rPr>
+              <a:t>https://</a:t>
+            </a:r>
+            <a:r>
+              <a:rPr lang="en-GB" sz="2800" spc="-5" dirty="0" smtClean="0">
+                <a:latin typeface="Calibri" panose="020F0502020204030204" pitchFamily="34" charset="0"/>
+                <a:cs typeface="Calibri" panose="020F0502020204030204" pitchFamily="34" charset="0"/>
+                <a:hlinkClick r:id="rId2"/>
+              </a:rPr>
+              <a:t>github.com/cedadev/cf-checker/issues/48</a:t>
+            </a:r>
+            <a:endParaRPr lang="en-GB" sz="2800" spc="-5" dirty="0" smtClean="0">
+              <a:latin typeface="Calibri" panose="020F0502020204030204" pitchFamily="34" charset="0"/>
+              <a:cs typeface="Calibri" panose="020F0502020204030204" pitchFamily="34" charset="0"/>
+            </a:endParaRPr>
+          </a:p>
+          <a:p>
+            <a:pPr eaLnBrk="1" hangingPunct="1">
+              <a:defRPr/>
+            </a:pPr>
+            <a:r>
+              <a:rPr lang="en-GB" sz="2800" spc="-5" dirty="0" smtClean="0">
+                <a:latin typeface="Calibri" panose="020F0502020204030204" pitchFamily="34" charset="0"/>
+                <a:cs typeface="Calibri" panose="020F0502020204030204" pitchFamily="34" charset="0"/>
+              </a:rPr>
+              <a:t>For the sake of completeness we will show you how to use it regardless.</a:t>
+            </a:r>
+          </a:p>
+          <a:p>
+            <a:pPr eaLnBrk="1" hangingPunct="1">
+              <a:defRPr/>
+            </a:pPr>
+            <a:r>
+              <a:rPr lang="en-GB" sz="2800" spc="-5" dirty="0" smtClean="0">
+                <a:latin typeface="Calibri" panose="020F0502020204030204" pitchFamily="34" charset="0"/>
+                <a:cs typeface="Calibri" panose="020F0502020204030204" pitchFamily="34" charset="0"/>
+              </a:rPr>
+              <a:t>If you want to use it yourself you can do so if you install Python 2 or just wait until it is updated with Python 3 compatibility.</a:t>
+            </a:r>
+            <a:endParaRPr lang="en-GB" sz="2800" spc="-5" dirty="0">
+              <a:latin typeface="Calibri" panose="020F0502020204030204" pitchFamily="34" charset="0"/>
+              <a:cs typeface="Calibri" panose="020F0502020204030204" pitchFamily="34" charset="0"/>
+            </a:endParaRPr>
+          </a:p>
+        </p:txBody>
+      </p:sp>
+    </p:spTree>
+    <p:extLst>
+      <p:ext uri="{BB962C8B-B14F-4D97-AF65-F5344CB8AC3E}">
+        <p14:creationId xmlns:p14="http://schemas.microsoft.com/office/powerpoint/2010/main" val="3465552103"/>
+      </p:ext>
+    </p:extLst>
+  </p:cSld>
+  <p:clrMapOvr>
+    <a:masterClrMapping/>
+  </p:clrMapOvr>
+</p:sld>
+</file>
+
+<file path=ppt/slides/slide3.xml><?xml version="1.0" encoding="utf-8"?>
+<p:sld xmlns:a="http://schemas.openxmlformats.org/drawingml/2006/main" xmlns:r="http://schemas.openxmlformats.org/officeDocument/2006/relationships" xmlns:p="http://schemas.openxmlformats.org/presentationml/2006/main">
+  <p:cSld>
+    <p:spTree>
+      <p:nvGrpSpPr>
+        <p:cNvPr id="1" name=""/>
+        <p:cNvGrpSpPr/>
+        <p:nvPr/>
+      </p:nvGrpSpPr>
+      <p:grpSpPr>
+        <a:xfrm>
+          <a:off x="0" y="0"/>
+          <a:ext cx="0" cy="0"/>
+          <a:chOff x="0" y="0"/>
+          <a:chExt cx="0" cy="0"/>
+        </a:xfrm>
+      </p:grpSpPr>
+      <p:sp>
+        <p:nvSpPr>
           <p:cNvPr id="9218" name="Title 1"/>
           <p:cNvSpPr>
             <a:spLocks noGrp="1"/>
@@ -3168,7 +3529,7 @@
 </p:sld>
 </file>
 
-<file path=ppt/slides/slide3.xml><?xml version="1.0" encoding="utf-8"?>
+<file path=ppt/slides/slide4.xml><?xml version="1.0" encoding="utf-8"?>
 <p:sld xmlns:a="http://schemas.openxmlformats.org/drawingml/2006/main" xmlns:r="http://schemas.openxmlformats.org/officeDocument/2006/relationships" xmlns:p="http://schemas.openxmlformats.org/presentationml/2006/main">
   <p:cSld>
     <p:spTree>
@@ -3259,14 +3620,7 @@
                 <a:latin typeface="Calibri" panose="020F0502020204030204" pitchFamily="34" charset="0"/>
                 <a:cs typeface="Calibri" panose="020F0502020204030204" pitchFamily="34" charset="0"/>
               </a:rPr>
-              <a:t>s </a:t>
-            </a:r>
-            <a:r>
-              <a:rPr lang="en-GB" sz="2800" spc="-5" dirty="0">
-                <a:latin typeface="Calibri" panose="020F0502020204030204" pitchFamily="34" charset="0"/>
-                <a:cs typeface="Calibri" panose="020F0502020204030204" pitchFamily="34" charset="0"/>
-              </a:rPr>
-              <a:t>check the </a:t>
+              <a:t>s check the </a:t>
             </a:r>
             <a:r>
               <a:rPr lang="en-GB" sz="2800" spc="-20" dirty="0">
@@ -3838,7 +4192,7 @@
 </p:sld>
 </file>
 
-<file path=ppt/slides/slide4.xml><?xml version="1.0" encoding="utf-8"?>
+<file path=ppt/slides/slide5.xml><?xml version="1.0" encoding="utf-8"?>
 <p:sld xmlns:a="http://schemas.openxmlformats.org/drawingml/2006/main" xmlns:r="http://schemas.openxmlformats.org/officeDocument/2006/relationships" xmlns:p="http://schemas.openxmlformats.org/presentationml/2006/main">
   <p:cSld>
     <p:spTree>
@@ -4496,7 +4850,7 @@
 </p:sld>
 </file>
 
-<file path=ppt/slides/slide5.xml><?xml version="1.0" encoding="utf-8"?>
+<file path=ppt/slides/slide6.xml><?xml version="1.0" encoding="utf-8"?>
 <p:sld xmlns:a="http://schemas.openxmlformats.org/drawingml/2006/main" xmlns:r="http://schemas.openxmlformats.org/officeDocument/2006/relationships" xmlns:p="http://schemas.openxmlformats.org/presentationml/2006/main">
   <p:cSld>
     <p:spTree>
